--- a/docs/Proto Persona.pptx
+++ b/docs/Proto Persona.pptx
@@ -272,7 +272,7 @@
           <a:p>
             <a:fld id="{55C9A275-5E28-4AA2-8DDF-395E70F7DD2E}" type="datetimeFigureOut">
               <a:rPr lang="pt-BR" smtClean="0"/>
-              <a:t>09/09/2020</a:t>
+              <a:t>11/09/2020</a:t>
             </a:fld>
             <a:endParaRPr lang="pt-BR"/>
           </a:p>
@@ -470,7 +470,7 @@
           <a:p>
             <a:fld id="{55C9A275-5E28-4AA2-8DDF-395E70F7DD2E}" type="datetimeFigureOut">
               <a:rPr lang="pt-BR" smtClean="0"/>
-              <a:t>09/09/2020</a:t>
+              <a:t>11/09/2020</a:t>
             </a:fld>
             <a:endParaRPr lang="pt-BR"/>
           </a:p>
@@ -678,7 +678,7 @@
           <a:p>
             <a:fld id="{55C9A275-5E28-4AA2-8DDF-395E70F7DD2E}" type="datetimeFigureOut">
               <a:rPr lang="pt-BR" smtClean="0"/>
-              <a:t>09/09/2020</a:t>
+              <a:t>11/09/2020</a:t>
             </a:fld>
             <a:endParaRPr lang="pt-BR"/>
           </a:p>
@@ -876,7 +876,7 @@
           <a:p>
             <a:fld id="{55C9A275-5E28-4AA2-8DDF-395E70F7DD2E}" type="datetimeFigureOut">
               <a:rPr lang="pt-BR" smtClean="0"/>
-              <a:t>09/09/2020</a:t>
+              <a:t>11/09/2020</a:t>
             </a:fld>
             <a:endParaRPr lang="pt-BR"/>
           </a:p>
@@ -1151,7 +1151,7 @@
           <a:p>
             <a:fld id="{55C9A275-5E28-4AA2-8DDF-395E70F7DD2E}" type="datetimeFigureOut">
               <a:rPr lang="pt-BR" smtClean="0"/>
-              <a:t>09/09/2020</a:t>
+              <a:t>11/09/2020</a:t>
             </a:fld>
             <a:endParaRPr lang="pt-BR"/>
           </a:p>
@@ -1416,7 +1416,7 @@
           <a:p>
             <a:fld id="{55C9A275-5E28-4AA2-8DDF-395E70F7DD2E}" type="datetimeFigureOut">
               <a:rPr lang="pt-BR" smtClean="0"/>
-              <a:t>09/09/2020</a:t>
+              <a:t>11/09/2020</a:t>
             </a:fld>
             <a:endParaRPr lang="pt-BR"/>
           </a:p>
@@ -1828,7 +1828,7 @@
           <a:p>
             <a:fld id="{55C9A275-5E28-4AA2-8DDF-395E70F7DD2E}" type="datetimeFigureOut">
               <a:rPr lang="pt-BR" smtClean="0"/>
-              <a:t>09/09/2020</a:t>
+              <a:t>11/09/2020</a:t>
             </a:fld>
             <a:endParaRPr lang="pt-BR"/>
           </a:p>
@@ -1969,7 +1969,7 @@
           <a:p>
             <a:fld id="{55C9A275-5E28-4AA2-8DDF-395E70F7DD2E}" type="datetimeFigureOut">
               <a:rPr lang="pt-BR" smtClean="0"/>
-              <a:t>09/09/2020</a:t>
+              <a:t>11/09/2020</a:t>
             </a:fld>
             <a:endParaRPr lang="pt-BR"/>
           </a:p>
@@ -2082,7 +2082,7 @@
           <a:p>
             <a:fld id="{55C9A275-5E28-4AA2-8DDF-395E70F7DD2E}" type="datetimeFigureOut">
               <a:rPr lang="pt-BR" smtClean="0"/>
-              <a:t>09/09/2020</a:t>
+              <a:t>11/09/2020</a:t>
             </a:fld>
             <a:endParaRPr lang="pt-BR"/>
           </a:p>
@@ -2393,7 +2393,7 @@
           <a:p>
             <a:fld id="{55C9A275-5E28-4AA2-8DDF-395E70F7DD2E}" type="datetimeFigureOut">
               <a:rPr lang="pt-BR" smtClean="0"/>
-              <a:t>09/09/2020</a:t>
+              <a:t>11/09/2020</a:t>
             </a:fld>
             <a:endParaRPr lang="pt-BR"/>
           </a:p>
@@ -2681,7 +2681,7 @@
           <a:p>
             <a:fld id="{55C9A275-5E28-4AA2-8DDF-395E70F7DD2E}" type="datetimeFigureOut">
               <a:rPr lang="pt-BR" smtClean="0"/>
-              <a:t>09/09/2020</a:t>
+              <a:t>11/09/2020</a:t>
             </a:fld>
             <a:endParaRPr lang="pt-BR"/>
           </a:p>
@@ -2922,7 +2922,7 @@
           <a:p>
             <a:fld id="{55C9A275-5E28-4AA2-8DDF-395E70F7DD2E}" type="datetimeFigureOut">
               <a:rPr lang="pt-BR" smtClean="0"/>
-              <a:t>09/09/2020</a:t>
+              <a:t>11/09/2020</a:t>
             </a:fld>
             <a:endParaRPr lang="pt-BR"/>
           </a:p>
@@ -3647,7 +3647,7 @@
             </a:pPr>
             <a:r>
               <a:rPr lang="pt-BR" dirty="0"/>
-              <a:t>Experiencia com </a:t>
+              <a:t>Experiência com </a:t>
             </a:r>
             <a:r>
               <a:rPr lang="pt-BR" dirty="0" err="1"/>
@@ -4287,7 +4287,7 @@
         <p:spPr>
           <a:xfrm>
             <a:off x="4839717" y="2165482"/>
-            <a:ext cx="3085083" cy="1754326"/>
+            <a:ext cx="3085083" cy="2031325"/>
           </a:xfrm>
           <a:prstGeom prst="rect">
             <a:avLst/>
@@ -4326,7 +4326,7 @@
             </a:pPr>
             <a:r>
               <a:rPr lang="pt-BR" dirty="0"/>
-              <a:t>Experiência com a máquina</a:t>
+              <a:t>Experiência com a máquina de recarga</a:t>
             </a:r>
           </a:p>
           <a:p>
